--- a/Slide-Shows/Flu Tracker.pptx
+++ b/Slide-Shows/Flu Tracker.pptx
@@ -110,7 +110,16 @@
       </a:defRPr>
     </a:lvl9pPr>
   </p:defaultTextStyle>
+  <p:extLst>
+    <p:ext uri="{EFAFB233-063F-42B5-8137-9DF3F51BA10A}">
+      <p15:sldGuideLst xmlns:p15="http://schemas.microsoft.com/office/powerpoint/2012/main"/>
+    </p:ext>
+  </p:extLst>
 </p:presentation>
+</file>
+
+<file path=ppt/revisionInfo.xml><?xml version="1.0" encoding="utf-8"?>
+<p1510:revInfo xmlns:a="http://schemas.openxmlformats.org/drawingml/2006/main" xmlns:r="http://schemas.openxmlformats.org/officeDocument/2006/relationships" xmlns:p1510="http://schemas.microsoft.com/office/powerpoint/2015/10/main"/>
 </file>
 
 <file path=ppt/slideLayouts/slideLayout1.xml><?xml version="1.0" encoding="utf-8"?>
@@ -3625,12 +3634,26 @@
             <p:ph idx="1"/>
           </p:nvPr>
         </p:nvSpPr>
-        <p:spPr/>
+        <p:spPr>
+          <a:xfrm>
+            <a:off x="838200" y="1402672"/>
+            <a:ext cx="10515600" cy="4774291"/>
+          </a:xfrm>
+        </p:spPr>
         <p:txBody>
           <a:bodyPr>
-            <a:normAutofit fontScale="77500" lnSpcReduction="20000"/>
+            <a:normAutofit fontScale="62500" lnSpcReduction="20000"/>
           </a:bodyPr>
           <a:lstStyle/>
+          <a:p>
+            <a:pPr marL="0" indent="0">
+              <a:buNone/>
+            </a:pPr>
+            <a:r>
+              <a:rPr lang="en-US" dirty="0"/>
+              <a:t>Sources Used:</a:t>
+            </a:r>
+          </a:p>
           <a:p>
             <a:r>
               <a:rPr lang="en-US" dirty="0"/>
@@ -3688,15 +3711,37 @@
             </a:r>
           </a:p>
           <a:p>
+            <a:pPr lvl="1"/>
+            <a:r>
+              <a:rPr lang="en-US" dirty="0"/>
+              <a:t>Vaccination Data – Center For Disease Control</a:t>
+            </a:r>
+          </a:p>
+          <a:p>
+            <a:pPr lvl="2"/>
+            <a:r>
+              <a:rPr lang="en-US" dirty="0"/>
+              <a:t>Local area estimates: gives us a percentage of population for geographic regions such as NYC, Philly, Chicago, etc.</a:t>
+            </a:r>
+          </a:p>
+          <a:p>
+            <a:pPr lvl="2"/>
+            <a:r>
+              <a:rPr lang="en-US" dirty="0"/>
+              <a:t>Estimates by state: sample of population for each state.  Here is where we grabbed info for New York State.</a:t>
+            </a:r>
+          </a:p>
+          <a:p>
+            <a:pPr lvl="2"/>
+            <a:r>
+              <a:rPr lang="en-US" dirty="0"/>
+              <a:t>Each sample broken down by age range: 0-2, 3-6, 7-12, 13-18, etc.</a:t>
+            </a:r>
+          </a:p>
+          <a:p>
             <a:pPr marL="0" indent="0">
               <a:buNone/>
             </a:pPr>
-            <a:endParaRPr lang="en-US" dirty="0"/>
-          </a:p>
-          <a:p>
-            <a:pPr marL="0" indent="0">
-              <a:buNone/>
-            </a:pPr>
             <a:r>
               <a:rPr lang="en-US" dirty="0"/>
               <a:t>Why does the flu incident data show a spike in 2016 vs that of 2015?</a:t>
@@ -3706,6 +3751,13 @@
             <a:r>
               <a:rPr lang="en-US" dirty="0"/>
               <a:t>Vaccination Influence</a:t>
+            </a:r>
+          </a:p>
+          <a:p>
+            <a:pPr lvl="1"/>
+            <a:r>
+              <a:rPr lang="en-US" dirty="0"/>
+              <a:t>We think that the higher per capita vaccination count in NY the fewer per capita flu incidences may occur.</a:t>
             </a:r>
           </a:p>
           <a:p>
@@ -3824,7 +3876,9 @@
         </p:nvSpPr>
         <p:spPr/>
         <p:txBody>
-          <a:bodyPr/>
+          <a:bodyPr>
+            <a:normAutofit lnSpcReduction="10000"/>
+          </a:bodyPr>
           <a:lstStyle/>
           <a:p>
             <a:pPr marL="0" indent="0">
@@ -3845,6 +3899,17 @@
           <a:p>
             <a:pPr lvl="1"/>
             <a:r>
+              <a:rPr lang="en-US" dirty="0" err="1"/>
+              <a:t>Vacc</a:t>
+            </a:r>
+            <a:r>
+              <a:rPr lang="en-US" dirty="0"/>
+              <a:t> data by age group had to be summed and recalculated for total perc.</a:t>
+            </a:r>
+          </a:p>
+          <a:p>
+            <a:pPr lvl="1"/>
+            <a:r>
               <a:rPr lang="en-US" dirty="0"/>
               <a:t>Paring down large datasets to only pull relevant information.</a:t>
             </a:r>
@@ -3855,6 +3920,45 @@
               <a:rPr lang="en-US" dirty="0"/>
               <a:t>Merging datasets together to produce plots.</a:t>
             </a:r>
+          </a:p>
+          <a:p>
+            <a:pPr lvl="1"/>
+            <a:endParaRPr lang="en-US" dirty="0"/>
+          </a:p>
+          <a:p>
+            <a:pPr lvl="1"/>
+            <a:r>
+              <a:rPr lang="en-US" dirty="0"/>
+              <a:t>In </a:t>
+            </a:r>
+            <a:r>
+              <a:rPr lang="en-US" dirty="0" err="1"/>
+              <a:t>Jupyter</a:t>
+            </a:r>
+            <a:r>
+              <a:rPr lang="en-US" dirty="0"/>
+              <a:t> notebook we had to use </a:t>
+            </a:r>
+            <a:r>
+              <a:rPr lang="en-US" dirty="0" err="1"/>
+              <a:t>groupby</a:t>
+            </a:r>
+            <a:r>
+              <a:rPr lang="en-US" dirty="0"/>
+              <a:t>, merges, run percentage calculations (Calculate % change </a:t>
+            </a:r>
+            <a:r>
+              <a:rPr lang="en-US" dirty="0" err="1"/>
+              <a:t>vacc</a:t>
+            </a:r>
+            <a:r>
+              <a:rPr lang="en-US" dirty="0"/>
+              <a:t> data).  </a:t>
+            </a:r>
+          </a:p>
+          <a:p>
+            <a:pPr lvl="1"/>
+            <a:endParaRPr lang="en-US" dirty="0"/>
           </a:p>
           <a:p>
             <a:pPr marL="457200" lvl="1" indent="0">
@@ -4062,13 +4166,8 @@
             </a:pPr>
             <a:r>
               <a:rPr lang="en-US" dirty="0"/>
-              <a:t>Weather </a:t>
-            </a:r>
-            <a:r>
-              <a:rPr lang="en-US" dirty="0" err="1"/>
-              <a:t>corelation</a:t>
-            </a:r>
-            <a:endParaRPr lang="en-US" dirty="0"/>
+              <a:t>Weather correlation</a:t>
+            </a:r>
           </a:p>
           <a:p>
             <a:r>

--- a/Slide-Shows/Flu Tracker.pptx
+++ b/Slide-Shows/Flu Tracker.pptx
@@ -3547,15 +3547,15 @@
             <a:pPr lvl="1"/>
             <a:r>
               <a:rPr lang="en-US" dirty="0"/>
-              <a:t>Air travel during times of influenza spikes show that </a:t>
-            </a:r>
-            <a:r>
-              <a:rPr lang="en-US" dirty="0" err="1"/>
-              <a:t>passenager</a:t>
-            </a:r>
-            <a:r>
-              <a:rPr lang="en-US" dirty="0"/>
-              <a:t> inflow/outflow counts are close to even.</a:t>
+              <a:t>Air travel during times of influenza spikes show </a:t>
+            </a:r>
+            <a:r>
+              <a:rPr lang="en-US"/>
+              <a:t>that passenger </a:t>
+            </a:r>
+            <a:r>
+              <a:rPr lang="en-US" dirty="0"/>
+              <a:t>inflow/outflow counts are close to even.</a:t>
             </a:r>
           </a:p>
         </p:txBody>

--- a/Slide-Shows/Flu Tracker.pptx
+++ b/Slide-Shows/Flu Tracker.pptx
@@ -10,8 +10,12 @@
     <p:sldId id="259" r:id="rId4"/>
     <p:sldId id="258" r:id="rId5"/>
     <p:sldId id="260" r:id="rId6"/>
-    <p:sldId id="261" r:id="rId7"/>
-    <p:sldId id="262" r:id="rId8"/>
+    <p:sldId id="263" r:id="rId7"/>
+    <p:sldId id="264" r:id="rId8"/>
+    <p:sldId id="265" r:id="rId9"/>
+    <p:sldId id="266" r:id="rId10"/>
+    <p:sldId id="261" r:id="rId11"/>
+    <p:sldId id="262" r:id="rId12"/>
   </p:sldIdLst>
   <p:sldSz cx="12192000" cy="6858000"/>
   <p:notesSz cx="6858000" cy="9144000"/>
@@ -3409,6 +3413,217 @@
 </p:sld>
 </file>
 
+<file path=ppt/slides/slide10.xml><?xml version="1.0" encoding="utf-8"?>
+<p:sld xmlns:a="http://schemas.openxmlformats.org/drawingml/2006/main" xmlns:r="http://schemas.openxmlformats.org/officeDocument/2006/relationships" xmlns:p="http://schemas.openxmlformats.org/presentationml/2006/main">
+  <p:cSld>
+    <p:spTree>
+      <p:nvGrpSpPr>
+        <p:cNvPr id="1" name=""/>
+        <p:cNvGrpSpPr/>
+        <p:nvPr/>
+      </p:nvGrpSpPr>
+      <p:grpSpPr>
+        <a:xfrm>
+          <a:off x="0" y="0"/>
+          <a:ext cx="0" cy="0"/>
+          <a:chOff x="0" y="0"/>
+          <a:chExt cx="0" cy="0"/>
+        </a:xfrm>
+      </p:grpSpPr>
+      <p:sp>
+        <p:nvSpPr>
+          <p:cNvPr id="2" name="Title 1">
+            <a:extLst>
+              <a:ext uri="{FF2B5EF4-FFF2-40B4-BE49-F238E27FC236}">
+                <a16:creationId xmlns:a16="http://schemas.microsoft.com/office/drawing/2014/main" id="{E6EA8C6A-8781-4BD2-98E6-9B6A8E290EE5}"/>
+              </a:ext>
+            </a:extLst>
+          </p:cNvPr>
+          <p:cNvSpPr>
+            <a:spLocks noGrp="1"/>
+          </p:cNvSpPr>
+          <p:nvPr>
+            <p:ph type="title"/>
+          </p:nvPr>
+        </p:nvSpPr>
+        <p:spPr/>
+        <p:txBody>
+          <a:bodyPr/>
+          <a:lstStyle/>
+          <a:p>
+            <a:r>
+              <a:rPr lang="en-US" dirty="0"/>
+              <a:t>Discussion</a:t>
+            </a:r>
+          </a:p>
+        </p:txBody>
+      </p:sp>
+      <p:sp>
+        <p:nvSpPr>
+          <p:cNvPr id="3" name="Content Placeholder 2">
+            <a:extLst>
+              <a:ext uri="{FF2B5EF4-FFF2-40B4-BE49-F238E27FC236}">
+                <a16:creationId xmlns:a16="http://schemas.microsoft.com/office/drawing/2014/main" id="{8F771576-EED1-4EB1-A885-9C64E50999D1}"/>
+              </a:ext>
+            </a:extLst>
+          </p:cNvPr>
+          <p:cNvSpPr>
+            <a:spLocks noGrp="1"/>
+          </p:cNvSpPr>
+          <p:nvPr>
+            <p:ph idx="1"/>
+          </p:nvPr>
+        </p:nvSpPr>
+        <p:spPr/>
+        <p:txBody>
+          <a:bodyPr/>
+          <a:lstStyle/>
+          <a:p>
+            <a:pPr marL="0" indent="0">
+              <a:buNone/>
+            </a:pPr>
+            <a:r>
+              <a:rPr lang="en-US" dirty="0"/>
+              <a:t>Weather correlation</a:t>
+            </a:r>
+          </a:p>
+          <a:p>
+            <a:r>
+              <a:rPr lang="en-US" dirty="0"/>
+              <a:t>Flu incidents are more likely during colder average temperatures.</a:t>
+            </a:r>
+          </a:p>
+          <a:p>
+            <a:pPr marL="0" indent="0">
+              <a:buNone/>
+            </a:pPr>
+            <a:endParaRPr lang="en-US" dirty="0"/>
+          </a:p>
+          <a:p>
+            <a:pPr marL="0" indent="0">
+              <a:buNone/>
+            </a:pPr>
+            <a:r>
+              <a:rPr lang="en-US" dirty="0"/>
+              <a:t>Flu Incident Spikes</a:t>
+            </a:r>
+          </a:p>
+          <a:p>
+            <a:r>
+              <a:rPr lang="en-US" dirty="0"/>
+              <a:t>The 2016 vaccine did not appear to be as effective as that of the 2015 vaccine.</a:t>
+            </a:r>
+          </a:p>
+          <a:p>
+            <a:r>
+              <a:rPr lang="en-US" dirty="0"/>
+              <a:t>Although air travel shows that spikes occurred while net passenger counts were closer to that of zero, it cannot fully explain why 2016 saw greater flu incidences than that of 2015.</a:t>
+            </a:r>
+          </a:p>
+        </p:txBody>
+      </p:sp>
+    </p:spTree>
+    <p:extLst>
+      <p:ext uri="{BB962C8B-B14F-4D97-AF65-F5344CB8AC3E}">
+        <p14:creationId xmlns:p14="http://schemas.microsoft.com/office/powerpoint/2010/main" val="3953304808"/>
+      </p:ext>
+    </p:extLst>
+  </p:cSld>
+  <p:clrMapOvr>
+    <a:masterClrMapping/>
+  </p:clrMapOvr>
+</p:sld>
+</file>
+
+<file path=ppt/slides/slide11.xml><?xml version="1.0" encoding="utf-8"?>
+<p:sld xmlns:a="http://schemas.openxmlformats.org/drawingml/2006/main" xmlns:r="http://schemas.openxmlformats.org/officeDocument/2006/relationships" xmlns:p="http://schemas.openxmlformats.org/presentationml/2006/main">
+  <p:cSld>
+    <p:spTree>
+      <p:nvGrpSpPr>
+        <p:cNvPr id="1" name=""/>
+        <p:cNvGrpSpPr/>
+        <p:nvPr/>
+      </p:nvGrpSpPr>
+      <p:grpSpPr>
+        <a:xfrm>
+          <a:off x="0" y="0"/>
+          <a:ext cx="0" cy="0"/>
+          <a:chOff x="0" y="0"/>
+          <a:chExt cx="0" cy="0"/>
+        </a:xfrm>
+      </p:grpSpPr>
+      <p:sp>
+        <p:nvSpPr>
+          <p:cNvPr id="2" name="Title 1">
+            <a:extLst>
+              <a:ext uri="{FF2B5EF4-FFF2-40B4-BE49-F238E27FC236}">
+                <a16:creationId xmlns:a16="http://schemas.microsoft.com/office/drawing/2014/main" id="{798FDBFC-B8D9-4A88-B5D6-6489647F8AD1}"/>
+              </a:ext>
+            </a:extLst>
+          </p:cNvPr>
+          <p:cNvSpPr>
+            <a:spLocks noGrp="1"/>
+          </p:cNvSpPr>
+          <p:nvPr>
+            <p:ph type="title"/>
+          </p:nvPr>
+        </p:nvSpPr>
+        <p:spPr/>
+        <p:txBody>
+          <a:bodyPr/>
+          <a:lstStyle/>
+          <a:p>
+            <a:r>
+              <a:rPr lang="en-US" dirty="0"/>
+              <a:t>Q &amp; A Time</a:t>
+            </a:r>
+          </a:p>
+        </p:txBody>
+      </p:sp>
+      <p:sp>
+        <p:nvSpPr>
+          <p:cNvPr id="3" name="Content Placeholder 2">
+            <a:extLst>
+              <a:ext uri="{FF2B5EF4-FFF2-40B4-BE49-F238E27FC236}">
+                <a16:creationId xmlns:a16="http://schemas.microsoft.com/office/drawing/2014/main" id="{E17C0EC8-A708-49EB-A5AE-D2CC76522983}"/>
+              </a:ext>
+            </a:extLst>
+          </p:cNvPr>
+          <p:cNvSpPr>
+            <a:spLocks noGrp="1"/>
+          </p:cNvSpPr>
+          <p:nvPr>
+            <p:ph idx="1"/>
+          </p:nvPr>
+        </p:nvSpPr>
+        <p:spPr/>
+        <p:txBody>
+          <a:bodyPr/>
+          <a:lstStyle/>
+          <a:p>
+            <a:pPr marL="0" indent="0">
+              <a:buNone/>
+            </a:pPr>
+            <a:r>
+              <a:rPr lang="en-US" dirty="0"/>
+              <a:t>?</a:t>
+            </a:r>
+          </a:p>
+        </p:txBody>
+      </p:sp>
+    </p:spTree>
+    <p:extLst>
+      <p:ext uri="{BB962C8B-B14F-4D97-AF65-F5344CB8AC3E}">
+        <p14:creationId xmlns:p14="http://schemas.microsoft.com/office/powerpoint/2010/main" val="4242416946"/>
+      </p:ext>
+    </p:extLst>
+  </p:cSld>
+  <p:clrMapOvr>
+    <a:masterClrMapping/>
+  </p:clrMapOvr>
+</p:sld>
+</file>
+
 <file path=ppt/slides/slide2.xml><?xml version="1.0" encoding="utf-8"?>
 <p:sld xmlns:a="http://schemas.openxmlformats.org/drawingml/2006/main" xmlns:r="http://schemas.openxmlformats.org/officeDocument/2006/relationships" xmlns:p="http://schemas.openxmlformats.org/presentationml/2006/main">
   <p:cSld>
@@ -4023,7 +4238,12 @@
             <p:ph type="title"/>
           </p:nvPr>
         </p:nvSpPr>
-        <p:spPr/>
+        <p:spPr>
+          <a:xfrm>
+            <a:off x="838200" y="337416"/>
+            <a:ext cx="10515600" cy="1325563"/>
+          </a:xfrm>
+        </p:spPr>
         <p:txBody>
           <a:bodyPr/>
           <a:lstStyle/>
@@ -4051,7 +4271,12 @@
             <p:ph idx="1"/>
           </p:nvPr>
         </p:nvSpPr>
-        <p:spPr/>
+        <p:spPr>
+          <a:xfrm>
+            <a:off x="838200" y="1468582"/>
+            <a:ext cx="10515600" cy="4736090"/>
+          </a:xfrm>
+        </p:spPr>
         <p:txBody>
           <a:bodyPr/>
           <a:lstStyle/>
@@ -4060,12 +4285,8 @@
               <a:buNone/>
             </a:pPr>
             <a:r>
-              <a:rPr lang="en-US" dirty="0" err="1"/>
-              <a:t>Jupyter</a:t>
-            </a:r>
-            <a:r>
-              <a:rPr lang="en-US" dirty="0"/>
-              <a:t> Notebook</a:t>
+              <a:rPr lang="en-US" dirty="0"/>
+              <a:t>Flu incidences</a:t>
             </a:r>
           </a:p>
           <a:p>
@@ -4080,8 +4301,80 @@
             </a:pPr>
             <a:endParaRPr lang="en-US" dirty="0"/>
           </a:p>
-        </p:txBody>
-      </p:sp>
+          <a:p>
+            <a:pPr marL="0" indent="0">
+              <a:buNone/>
+            </a:pPr>
+            <a:endParaRPr lang="en-US" dirty="0"/>
+          </a:p>
+          <a:p>
+            <a:pPr marL="0" indent="0">
+              <a:buNone/>
+            </a:pPr>
+            <a:endParaRPr lang="en-US" dirty="0"/>
+          </a:p>
+          <a:p>
+            <a:pPr marL="0" indent="0">
+              <a:buNone/>
+            </a:pPr>
+            <a:r>
+              <a:rPr lang="en-US" dirty="0"/>
+              <a:t>Spikes in flu season activities are clear for 2015 vs 2016</a:t>
+            </a:r>
+          </a:p>
+          <a:p>
+            <a:pPr marL="0" indent="0">
+              <a:buNone/>
+            </a:pPr>
+            <a:r>
+              <a:rPr lang="en-US" dirty="0"/>
+              <a:t>2016 season spike is significantly larger</a:t>
+            </a:r>
+          </a:p>
+          <a:p>
+            <a:pPr marL="0" indent="0">
+              <a:buNone/>
+            </a:pPr>
+            <a:endParaRPr lang="en-US" dirty="0"/>
+          </a:p>
+        </p:txBody>
+      </p:sp>
+      <p:pic>
+        <p:nvPicPr>
+          <p:cNvPr id="5" name="Picture 4">
+            <a:extLst>
+              <a:ext uri="{FF2B5EF4-FFF2-40B4-BE49-F238E27FC236}">
+                <a16:creationId xmlns:a16="http://schemas.microsoft.com/office/drawing/2014/main" id="{3E1F27CC-31C5-4D16-919F-92AF153804C2}"/>
+              </a:ext>
+            </a:extLst>
+          </p:cNvPr>
+          <p:cNvPicPr>
+            <a:picLocks noChangeAspect="1"/>
+          </p:cNvPicPr>
+          <p:nvPr/>
+        </p:nvPicPr>
+        <p:blipFill>
+          <a:blip r:embed="rId2">
+            <a:extLst>
+              <a:ext uri="{28A0092B-C50C-407E-A947-70E740481C1C}">
+                <a14:useLocalDpi xmlns:a14="http://schemas.microsoft.com/office/drawing/2010/main" val="0"/>
+              </a:ext>
+            </a:extLst>
+          </a:blip>
+          <a:stretch>
+            <a:fillRect/>
+          </a:stretch>
+        </p:blipFill>
+        <p:spPr>
+          <a:xfrm>
+            <a:off x="0" y="2087525"/>
+            <a:ext cx="12192000" cy="1828800"/>
+          </a:xfrm>
+          <a:prstGeom prst="rect">
+            <a:avLst/>
+          </a:prstGeom>
+        </p:spPr>
+      </p:pic>
     </p:spTree>
     <p:extLst>
       <p:ext uri="{BB962C8B-B14F-4D97-AF65-F5344CB8AC3E}">
@@ -4117,7 +4410,7 @@
           <p:cNvPr id="2" name="Title 1">
             <a:extLst>
               <a:ext uri="{FF2B5EF4-FFF2-40B4-BE49-F238E27FC236}">
-                <a16:creationId xmlns:a16="http://schemas.microsoft.com/office/drawing/2014/main" id="{E6EA8C6A-8781-4BD2-98E6-9B6A8E290EE5}"/>
+                <a16:creationId xmlns:a16="http://schemas.microsoft.com/office/drawing/2014/main" id="{A7264337-3011-42E6-ACE2-E7E82A2C2EA2}"/>
               </a:ext>
             </a:extLst>
           </p:cNvPr>
@@ -4135,71 +4428,161 @@
           <a:p>
             <a:r>
               <a:rPr lang="en-US" dirty="0"/>
-              <a:t>Discussion</a:t>
-            </a:r>
-          </a:p>
-        </p:txBody>
-      </p:sp>
-      <p:sp>
-        <p:nvSpPr>
-          <p:cNvPr id="3" name="Content Placeholder 2">
-            <a:extLst>
-              <a:ext uri="{FF2B5EF4-FFF2-40B4-BE49-F238E27FC236}">
-                <a16:creationId xmlns:a16="http://schemas.microsoft.com/office/drawing/2014/main" id="{8F771576-EED1-4EB1-A885-9C64E50999D1}"/>
-              </a:ext>
-            </a:extLst>
-          </p:cNvPr>
-          <p:cNvSpPr>
-            <a:spLocks noGrp="1"/>
-          </p:cNvSpPr>
+              <a:t>Data Analysis</a:t>
+            </a:r>
+            <a:br>
+              <a:rPr lang="en-US" dirty="0"/>
+            </a:br>
+            <a:r>
+              <a:rPr lang="en-US" dirty="0"/>
+              <a:t>--Weather Patterns</a:t>
+            </a:r>
+          </a:p>
+        </p:txBody>
+      </p:sp>
+      <p:pic>
+        <p:nvPicPr>
+          <p:cNvPr id="9" name="Content Placeholder 8">
+            <a:extLst>
+              <a:ext uri="{FF2B5EF4-FFF2-40B4-BE49-F238E27FC236}">
+                <a16:creationId xmlns:a16="http://schemas.microsoft.com/office/drawing/2014/main" id="{0C96FC6B-78D9-4047-8D1F-D2E23BC2330C}"/>
+              </a:ext>
+            </a:extLst>
+          </p:cNvPr>
+          <p:cNvPicPr>
+            <a:picLocks noGrp="1" noChangeAspect="1"/>
+          </p:cNvPicPr>
           <p:nvPr>
             <p:ph idx="1"/>
           </p:nvPr>
-        </p:nvSpPr>
-        <p:spPr/>
-        <p:txBody>
-          <a:bodyPr/>
-          <a:lstStyle/>
-          <a:p>
-            <a:pPr marL="0" indent="0">
-              <a:buNone/>
-            </a:pPr>
-            <a:r>
-              <a:rPr lang="en-US" dirty="0"/>
-              <a:t>Weather correlation</a:t>
-            </a:r>
-          </a:p>
-          <a:p>
-            <a:r>
-              <a:rPr lang="en-US" dirty="0"/>
-              <a:t>Flu incidents are more likely during colder average temperatures.</a:t>
-            </a:r>
-          </a:p>
-          <a:p>
-            <a:pPr marL="0" indent="0">
-              <a:buNone/>
-            </a:pPr>
+        </p:nvPicPr>
+        <p:blipFill>
+          <a:blip r:embed="rId2">
+            <a:extLst>
+              <a:ext uri="{28A0092B-C50C-407E-A947-70E740481C1C}">
+                <a14:useLocalDpi xmlns:a14="http://schemas.microsoft.com/office/drawing/2010/main" val="0"/>
+              </a:ext>
+            </a:extLst>
+          </a:blip>
+          <a:stretch>
+            <a:fillRect/>
+          </a:stretch>
+        </p:blipFill>
+        <p:spPr>
+          <a:xfrm>
+            <a:off x="5719818" y="1877786"/>
+            <a:ext cx="5487650" cy="3658433"/>
+          </a:xfrm>
+        </p:spPr>
+      </p:pic>
+      <p:sp>
+        <p:nvSpPr>
+          <p:cNvPr id="11" name="TextBox 10">
+            <a:extLst>
+              <a:ext uri="{FF2B5EF4-FFF2-40B4-BE49-F238E27FC236}">
+                <a16:creationId xmlns:a16="http://schemas.microsoft.com/office/drawing/2014/main" id="{F922EFCB-48D5-49FD-8352-24209E9B1A7F}"/>
+              </a:ext>
+            </a:extLst>
+          </p:cNvPr>
+          <p:cNvSpPr txBox="1"/>
+          <p:nvPr/>
+        </p:nvSpPr>
+        <p:spPr>
+          <a:xfrm>
+            <a:off x="6400800" y="1690688"/>
+            <a:ext cx="4441371" cy="369332"/>
+          </a:xfrm>
+          <a:prstGeom prst="rect">
+            <a:avLst/>
+          </a:prstGeom>
+          <a:noFill/>
+        </p:spPr>
+        <p:txBody>
+          <a:bodyPr wrap="square" rtlCol="0">
+            <a:spAutoFit/>
+          </a:bodyPr>
+          <a:lstStyle/>
+          <a:p>
+            <a:r>
+              <a:rPr lang="en-US" dirty="0"/>
+              <a:t>Temperature vs Flu Incidents 2015-2017</a:t>
+            </a:r>
+          </a:p>
+        </p:txBody>
+      </p:sp>
+      <p:sp>
+        <p:nvSpPr>
+          <p:cNvPr id="12" name="TextBox 11">
+            <a:extLst>
+              <a:ext uri="{FF2B5EF4-FFF2-40B4-BE49-F238E27FC236}">
+                <a16:creationId xmlns:a16="http://schemas.microsoft.com/office/drawing/2014/main" id="{DC18019F-44BE-493F-8A43-E3EFE1BB6E5A}"/>
+              </a:ext>
+            </a:extLst>
+          </p:cNvPr>
+          <p:cNvSpPr txBox="1"/>
+          <p:nvPr/>
+        </p:nvSpPr>
+        <p:spPr>
+          <a:xfrm>
+            <a:off x="838200" y="2220686"/>
+            <a:ext cx="4881618" cy="2585323"/>
+          </a:xfrm>
+          <a:prstGeom prst="rect">
+            <a:avLst/>
+          </a:prstGeom>
+          <a:noFill/>
+        </p:spPr>
+        <p:txBody>
+          <a:bodyPr wrap="square" rtlCol="0">
+            <a:spAutoFit/>
+          </a:bodyPr>
+          <a:lstStyle/>
+          <a:p>
+            <a:r>
+              <a:rPr lang="en-US" dirty="0"/>
+              <a:t>Temperature appears to be roughly correlated</a:t>
+            </a:r>
+          </a:p>
+          <a:p>
+            <a:r>
+              <a:rPr lang="en-US" dirty="0"/>
+              <a:t>Temperature appears to lead incident count spikes</a:t>
+            </a:r>
+          </a:p>
+          <a:p>
             <a:endParaRPr lang="en-US" dirty="0"/>
           </a:p>
           <a:p>
-            <a:pPr marL="0" indent="0">
-              <a:buNone/>
-            </a:pPr>
-            <a:r>
-              <a:rPr lang="en-US" dirty="0"/>
-              <a:t>Flu Incident Spikes</a:t>
-            </a:r>
-          </a:p>
-          <a:p>
-            <a:r>
-              <a:rPr lang="en-US" dirty="0"/>
-              <a:t>The 2016 vaccine did not appear to be as effective as that of the 2015 vaccine.</a:t>
-            </a:r>
-          </a:p>
-          <a:p>
-            <a:r>
-              <a:rPr lang="en-US" dirty="0"/>
-              <a:t>Although air travel shows that spikes occurred while net passenger counts were closer to that of zero, it cannot fully explain why 2016 saw greater flu incidences than that of 2015.</a:t>
+            <a:r>
+              <a:rPr lang="en-US" dirty="0"/>
+              <a:t>Temperature does not appear to explain YoY</a:t>
+            </a:r>
+          </a:p>
+          <a:p>
+            <a:r>
+              <a:rPr lang="en-US" dirty="0"/>
+              <a:t>Differences though.  </a:t>
+            </a:r>
+          </a:p>
+          <a:p>
+            <a:endParaRPr lang="en-US" dirty="0"/>
+          </a:p>
+          <a:p>
+            <a:r>
+              <a:rPr lang="en-US" dirty="0"/>
+              <a:t>Follow up questions: </a:t>
+            </a:r>
+          </a:p>
+          <a:p>
+            <a:r>
+              <a:rPr lang="en-US" dirty="0"/>
+              <a:t>What is the lead time?  </a:t>
+            </a:r>
+          </a:p>
+          <a:p>
+            <a:r>
+              <a:rPr lang="en-US" dirty="0"/>
+              <a:t>What drives the significant YoY difference</a:t>
             </a:r>
           </a:p>
         </p:txBody>
@@ -4207,7 +4590,7 @@
     </p:spTree>
     <p:extLst>
       <p:ext uri="{BB962C8B-B14F-4D97-AF65-F5344CB8AC3E}">
-        <p14:creationId xmlns:p14="http://schemas.microsoft.com/office/powerpoint/2010/main" val="3953304808"/>
+        <p14:creationId xmlns:p14="http://schemas.microsoft.com/office/powerpoint/2010/main" val="3512213901"/>
       </p:ext>
     </p:extLst>
   </p:cSld>
@@ -4239,7 +4622,7 @@
           <p:cNvPr id="2" name="Title 1">
             <a:extLst>
               <a:ext uri="{FF2B5EF4-FFF2-40B4-BE49-F238E27FC236}">
-                <a16:creationId xmlns:a16="http://schemas.microsoft.com/office/drawing/2014/main" id="{798FDBFC-B8D9-4A88-B5D6-6489647F8AD1}"/>
+                <a16:creationId xmlns:a16="http://schemas.microsoft.com/office/drawing/2014/main" id="{A9CCD0A3-0792-45BF-93B4-047F08BC6F4F}"/>
               </a:ext>
             </a:extLst>
           </p:cNvPr>
@@ -4257,38 +4640,151 @@
           <a:p>
             <a:r>
               <a:rPr lang="en-US" dirty="0"/>
-              <a:t>Q &amp; A Time</a:t>
-            </a:r>
-          </a:p>
-        </p:txBody>
-      </p:sp>
-      <p:sp>
-        <p:nvSpPr>
-          <p:cNvPr id="3" name="Content Placeholder 2">
-            <a:extLst>
-              <a:ext uri="{FF2B5EF4-FFF2-40B4-BE49-F238E27FC236}">
-                <a16:creationId xmlns:a16="http://schemas.microsoft.com/office/drawing/2014/main" id="{E17C0EC8-A708-49EB-A5AE-D2CC76522983}"/>
-              </a:ext>
-            </a:extLst>
-          </p:cNvPr>
-          <p:cNvSpPr>
-            <a:spLocks noGrp="1"/>
-          </p:cNvSpPr>
+              <a:t>Data Analysis</a:t>
+            </a:r>
+            <a:br>
+              <a:rPr lang="en-US" dirty="0"/>
+            </a:br>
+            <a:r>
+              <a:rPr lang="en-US" dirty="0"/>
+              <a:t>--Weather Lead Time</a:t>
+            </a:r>
+          </a:p>
+        </p:txBody>
+      </p:sp>
+      <p:pic>
+        <p:nvPicPr>
+          <p:cNvPr id="5" name="Content Placeholder 4">
+            <a:extLst>
+              <a:ext uri="{FF2B5EF4-FFF2-40B4-BE49-F238E27FC236}">
+                <a16:creationId xmlns:a16="http://schemas.microsoft.com/office/drawing/2014/main" id="{E08FA160-E46F-4C97-8B14-4B5BCE14DE3C}"/>
+              </a:ext>
+            </a:extLst>
+          </p:cNvPr>
+          <p:cNvPicPr>
+            <a:picLocks noGrp="1" noChangeAspect="1"/>
+          </p:cNvPicPr>
           <p:nvPr>
             <p:ph idx="1"/>
           </p:nvPr>
-        </p:nvSpPr>
-        <p:spPr/>
-        <p:txBody>
-          <a:bodyPr/>
-          <a:lstStyle/>
-          <a:p>
-            <a:pPr marL="0" indent="0">
-              <a:buNone/>
+        </p:nvPicPr>
+        <p:blipFill>
+          <a:blip r:embed="rId2">
+            <a:extLst>
+              <a:ext uri="{28A0092B-C50C-407E-A947-70E740481C1C}">
+                <a14:useLocalDpi xmlns:a14="http://schemas.microsoft.com/office/drawing/2010/main" val="0"/>
+              </a:ext>
+            </a:extLst>
+          </a:blip>
+          <a:stretch>
+            <a:fillRect/>
+          </a:stretch>
+        </p:blipFill>
+        <p:spPr>
+          <a:xfrm>
+            <a:off x="6704350" y="244935"/>
+            <a:ext cx="5487650" cy="3658433"/>
+          </a:xfrm>
+        </p:spPr>
+      </p:pic>
+      <p:pic>
+        <p:nvPicPr>
+          <p:cNvPr id="7" name="Picture 6">
+            <a:extLst>
+              <a:ext uri="{FF2B5EF4-FFF2-40B4-BE49-F238E27FC236}">
+                <a16:creationId xmlns:a16="http://schemas.microsoft.com/office/drawing/2014/main" id="{7289B16B-89F2-4016-AD81-3DF2CB617882}"/>
+              </a:ext>
+            </a:extLst>
+          </p:cNvPr>
+          <p:cNvPicPr>
+            <a:picLocks noChangeAspect="1"/>
+          </p:cNvPicPr>
+          <p:nvPr/>
+        </p:nvPicPr>
+        <p:blipFill>
+          <a:blip r:embed="rId3">
+            <a:extLst>
+              <a:ext uri="{28A0092B-C50C-407E-A947-70E740481C1C}">
+                <a14:useLocalDpi xmlns:a14="http://schemas.microsoft.com/office/drawing/2010/main" val="0"/>
+              </a:ext>
+            </a:extLst>
+          </a:blip>
+          <a:stretch>
+            <a:fillRect/>
+          </a:stretch>
+        </p:blipFill>
+        <p:spPr>
+          <a:xfrm>
+            <a:off x="6704350" y="3400090"/>
+            <a:ext cx="5487650" cy="3658433"/>
+          </a:xfrm>
+          <a:prstGeom prst="rect">
+            <a:avLst/>
+          </a:prstGeom>
+        </p:spPr>
+      </p:pic>
+      <p:sp>
+        <p:nvSpPr>
+          <p:cNvPr id="8" name="TextBox 7">
+            <a:extLst>
+              <a:ext uri="{FF2B5EF4-FFF2-40B4-BE49-F238E27FC236}">
+                <a16:creationId xmlns:a16="http://schemas.microsoft.com/office/drawing/2014/main" id="{E1D2CA29-0960-46C6-96E5-285D6C5F594A}"/>
+              </a:ext>
+            </a:extLst>
+          </p:cNvPr>
+          <p:cNvSpPr txBox="1"/>
+          <p:nvPr/>
+        </p:nvSpPr>
+        <p:spPr>
+          <a:xfrm>
+            <a:off x="979714" y="2155371"/>
+            <a:ext cx="5724636" cy="1754326"/>
+          </a:xfrm>
+          <a:prstGeom prst="rect">
+            <a:avLst/>
+          </a:prstGeom>
+          <a:noFill/>
+        </p:spPr>
+        <p:txBody>
+          <a:bodyPr wrap="square" rtlCol="0">
+            <a:spAutoFit/>
+          </a:bodyPr>
+          <a:lstStyle/>
+          <a:p>
+            <a:r>
+              <a:rPr lang="en-US" dirty="0"/>
+              <a:t>Studying the offset </a:t>
+            </a:r>
+            <a:r>
+              <a:rPr lang="en-US" dirty="0" err="1"/>
+              <a:t>leadtime</a:t>
+            </a:r>
+            <a:r>
+              <a:rPr lang="en-US" dirty="0"/>
+              <a:t>:</a:t>
+            </a:r>
+          </a:p>
+          <a:p>
+            <a:pPr marL="285750" indent="-285750">
+              <a:buFont typeface="Arial" panose="020B0604020202020204" pitchFamily="34" charset="0"/>
+              <a:buChar char="•"/>
             </a:pPr>
             <a:r>
               <a:rPr lang="en-US" dirty="0"/>
-              <a:t>?</a:t>
+              <a:t>Roughly 6-weeks lead time in weather troughs vs flu spikes</a:t>
+            </a:r>
+          </a:p>
+          <a:p>
+            <a:pPr marL="285750" indent="-285750">
+              <a:buFont typeface="Arial" panose="020B0604020202020204" pitchFamily="34" charset="0"/>
+              <a:buChar char="•"/>
+            </a:pPr>
+            <a:endParaRPr lang="en-US" dirty="0"/>
+          </a:p>
+          <a:p>
+            <a:r>
+              <a:rPr lang="en-US" dirty="0"/>
+              <a:t>Threshold of spike appears to begin roughly in the temperature range from low 30s through 50s</a:t>
             </a:r>
           </a:p>
         </p:txBody>
@@ -4296,7 +4792,324 @@
     </p:spTree>
     <p:extLst>
       <p:ext uri="{BB962C8B-B14F-4D97-AF65-F5344CB8AC3E}">
-        <p14:creationId xmlns:p14="http://schemas.microsoft.com/office/powerpoint/2010/main" val="4242416946"/>
+        <p14:creationId xmlns:p14="http://schemas.microsoft.com/office/powerpoint/2010/main" val="624777400"/>
+      </p:ext>
+    </p:extLst>
+  </p:cSld>
+  <p:clrMapOvr>
+    <a:masterClrMapping/>
+  </p:clrMapOvr>
+</p:sld>
+</file>
+
+<file path=ppt/slides/slide8.xml><?xml version="1.0" encoding="utf-8"?>
+<p:sld xmlns:a="http://schemas.openxmlformats.org/drawingml/2006/main" xmlns:r="http://schemas.openxmlformats.org/officeDocument/2006/relationships" xmlns:p="http://schemas.openxmlformats.org/presentationml/2006/main">
+  <p:cSld>
+    <p:spTree>
+      <p:nvGrpSpPr>
+        <p:cNvPr id="1" name=""/>
+        <p:cNvGrpSpPr/>
+        <p:nvPr/>
+      </p:nvGrpSpPr>
+      <p:grpSpPr>
+        <a:xfrm>
+          <a:off x="0" y="0"/>
+          <a:ext cx="0" cy="0"/>
+          <a:chOff x="0" y="0"/>
+          <a:chExt cx="0" cy="0"/>
+        </a:xfrm>
+      </p:grpSpPr>
+      <p:sp>
+        <p:nvSpPr>
+          <p:cNvPr id="2" name="Title 1">
+            <a:extLst>
+              <a:ext uri="{FF2B5EF4-FFF2-40B4-BE49-F238E27FC236}">
+                <a16:creationId xmlns:a16="http://schemas.microsoft.com/office/drawing/2014/main" id="{1018FF36-6D5D-427C-8AF5-689F83509642}"/>
+              </a:ext>
+            </a:extLst>
+          </p:cNvPr>
+          <p:cNvSpPr>
+            <a:spLocks noGrp="1"/>
+          </p:cNvSpPr>
+          <p:nvPr>
+            <p:ph type="title"/>
+          </p:nvPr>
+        </p:nvSpPr>
+        <p:spPr/>
+        <p:txBody>
+          <a:bodyPr/>
+          <a:lstStyle/>
+          <a:p>
+            <a:r>
+              <a:rPr lang="en-US" dirty="0"/>
+              <a:t>Data Analysis</a:t>
+            </a:r>
+            <a:br>
+              <a:rPr lang="en-US" dirty="0"/>
+            </a:br>
+            <a:r>
+              <a:rPr lang="en-US" dirty="0"/>
+              <a:t>--Vaccinations</a:t>
+            </a:r>
+          </a:p>
+        </p:txBody>
+      </p:sp>
+      <p:pic>
+        <p:nvPicPr>
+          <p:cNvPr id="5" name="Content Placeholder 4">
+            <a:extLst>
+              <a:ext uri="{FF2B5EF4-FFF2-40B4-BE49-F238E27FC236}">
+                <a16:creationId xmlns:a16="http://schemas.microsoft.com/office/drawing/2014/main" id="{9EA29051-DA52-49D9-9B74-EDB5BA2F257B}"/>
+              </a:ext>
+            </a:extLst>
+          </p:cNvPr>
+          <p:cNvPicPr>
+            <a:picLocks noGrp="1" noChangeAspect="1"/>
+          </p:cNvPicPr>
+          <p:nvPr>
+            <p:ph idx="1"/>
+          </p:nvPr>
+        </p:nvPicPr>
+        <p:blipFill>
+          <a:blip r:embed="rId2">
+            <a:extLst>
+              <a:ext uri="{28A0092B-C50C-407E-A947-70E740481C1C}">
+                <a14:useLocalDpi xmlns:a14="http://schemas.microsoft.com/office/drawing/2010/main" val="0"/>
+              </a:ext>
+            </a:extLst>
+          </a:blip>
+          <a:stretch>
+            <a:fillRect/>
+          </a:stretch>
+        </p:blipFill>
+        <p:spPr>
+          <a:xfrm>
+            <a:off x="5789349" y="1690689"/>
+            <a:ext cx="5564451" cy="4173338"/>
+          </a:xfrm>
+        </p:spPr>
+      </p:pic>
+      <p:sp>
+        <p:nvSpPr>
+          <p:cNvPr id="6" name="TextBox 5">
+            <a:extLst>
+              <a:ext uri="{FF2B5EF4-FFF2-40B4-BE49-F238E27FC236}">
+                <a16:creationId xmlns:a16="http://schemas.microsoft.com/office/drawing/2014/main" id="{623D5144-0CA3-409F-927F-499F6AB8EC17}"/>
+              </a:ext>
+            </a:extLst>
+          </p:cNvPr>
+          <p:cNvSpPr txBox="1"/>
+          <p:nvPr/>
+        </p:nvSpPr>
+        <p:spPr>
+          <a:xfrm>
+            <a:off x="838200" y="2147455"/>
+            <a:ext cx="4440382" cy="1477328"/>
+          </a:xfrm>
+          <a:prstGeom prst="rect">
+            <a:avLst/>
+          </a:prstGeom>
+          <a:noFill/>
+        </p:spPr>
+        <p:txBody>
+          <a:bodyPr wrap="square" rtlCol="0">
+            <a:spAutoFit/>
+          </a:bodyPr>
+          <a:lstStyle/>
+          <a:p>
+            <a:r>
+              <a:rPr lang="en-US" dirty="0"/>
+              <a:t>Vaccinations do not clearly impact the spike in flu incidents</a:t>
+            </a:r>
+          </a:p>
+          <a:p>
+            <a:r>
+              <a:rPr lang="en-US" dirty="0"/>
+              <a:t>- 2016 vaccinations approximate 2015, which would imply 2016 flu incidents would be the same—Data proves otherwise</a:t>
+            </a:r>
+          </a:p>
+        </p:txBody>
+      </p:sp>
+    </p:spTree>
+    <p:extLst>
+      <p:ext uri="{BB962C8B-B14F-4D97-AF65-F5344CB8AC3E}">
+        <p14:creationId xmlns:p14="http://schemas.microsoft.com/office/powerpoint/2010/main" val="681078858"/>
+      </p:ext>
+    </p:extLst>
+  </p:cSld>
+  <p:clrMapOvr>
+    <a:masterClrMapping/>
+  </p:clrMapOvr>
+</p:sld>
+</file>
+
+<file path=ppt/slides/slide9.xml><?xml version="1.0" encoding="utf-8"?>
+<p:sld xmlns:a="http://schemas.openxmlformats.org/drawingml/2006/main" xmlns:r="http://schemas.openxmlformats.org/officeDocument/2006/relationships" xmlns:p="http://schemas.openxmlformats.org/presentationml/2006/main">
+  <p:cSld>
+    <p:spTree>
+      <p:nvGrpSpPr>
+        <p:cNvPr id="1" name=""/>
+        <p:cNvGrpSpPr/>
+        <p:nvPr/>
+      </p:nvGrpSpPr>
+      <p:grpSpPr>
+        <a:xfrm>
+          <a:off x="0" y="0"/>
+          <a:ext cx="0" cy="0"/>
+          <a:chOff x="0" y="0"/>
+          <a:chExt cx="0" cy="0"/>
+        </a:xfrm>
+      </p:grpSpPr>
+      <p:sp>
+        <p:nvSpPr>
+          <p:cNvPr id="2" name="Title 1">
+            <a:extLst>
+              <a:ext uri="{FF2B5EF4-FFF2-40B4-BE49-F238E27FC236}">
+                <a16:creationId xmlns:a16="http://schemas.microsoft.com/office/drawing/2014/main" id="{740B9D69-B0D7-4207-8461-A18AA76BEABB}"/>
+              </a:ext>
+            </a:extLst>
+          </p:cNvPr>
+          <p:cNvSpPr>
+            <a:spLocks noGrp="1"/>
+          </p:cNvSpPr>
+          <p:nvPr>
+            <p:ph type="title"/>
+          </p:nvPr>
+        </p:nvSpPr>
+        <p:spPr/>
+        <p:txBody>
+          <a:bodyPr/>
+          <a:lstStyle/>
+          <a:p>
+            <a:r>
+              <a:rPr lang="en-US" dirty="0"/>
+              <a:t>Air Travel vs Incidents</a:t>
+            </a:r>
+          </a:p>
+        </p:txBody>
+      </p:sp>
+      <p:pic>
+        <p:nvPicPr>
+          <p:cNvPr id="5" name="Content Placeholder 4">
+            <a:extLst>
+              <a:ext uri="{FF2B5EF4-FFF2-40B4-BE49-F238E27FC236}">
+                <a16:creationId xmlns:a16="http://schemas.microsoft.com/office/drawing/2014/main" id="{C7CBB0C8-79D8-4AE9-A879-29D307833ECB}"/>
+              </a:ext>
+            </a:extLst>
+          </p:cNvPr>
+          <p:cNvPicPr>
+            <a:picLocks noGrp="1" noChangeAspect="1"/>
+          </p:cNvPicPr>
+          <p:nvPr>
+            <p:ph idx="1"/>
+          </p:nvPr>
+        </p:nvPicPr>
+        <p:blipFill>
+          <a:blip r:embed="rId2">
+            <a:extLst>
+              <a:ext uri="{28A0092B-C50C-407E-A947-70E740481C1C}">
+                <a14:useLocalDpi xmlns:a14="http://schemas.microsoft.com/office/drawing/2010/main" val="0"/>
+              </a:ext>
+            </a:extLst>
+          </a:blip>
+          <a:stretch>
+            <a:fillRect/>
+          </a:stretch>
+        </p:blipFill>
+        <p:spPr>
+          <a:xfrm>
+            <a:off x="6096000" y="3057046"/>
+            <a:ext cx="4581105" cy="3435829"/>
+          </a:xfrm>
+        </p:spPr>
+      </p:pic>
+      <p:pic>
+        <p:nvPicPr>
+          <p:cNvPr id="7" name="Content Placeholder 8">
+            <a:extLst>
+              <a:ext uri="{FF2B5EF4-FFF2-40B4-BE49-F238E27FC236}">
+                <a16:creationId xmlns:a16="http://schemas.microsoft.com/office/drawing/2014/main" id="{1D8391DD-E635-443C-A4B6-EF36BE147ED0}"/>
+              </a:ext>
+            </a:extLst>
+          </p:cNvPr>
+          <p:cNvPicPr>
+            <a:picLocks noChangeAspect="1"/>
+          </p:cNvPicPr>
+          <p:nvPr/>
+        </p:nvPicPr>
+        <p:blipFill>
+          <a:blip r:embed="rId3">
+            <a:extLst>
+              <a:ext uri="{28A0092B-C50C-407E-A947-70E740481C1C}">
+                <a14:useLocalDpi xmlns:a14="http://schemas.microsoft.com/office/drawing/2010/main" val="0"/>
+              </a:ext>
+            </a:extLst>
+          </a:blip>
+          <a:stretch>
+            <a:fillRect/>
+          </a:stretch>
+        </p:blipFill>
+        <p:spPr>
+          <a:xfrm>
+            <a:off x="6096000" y="118873"/>
+            <a:ext cx="4492752" cy="2995168"/>
+          </a:xfrm>
+          <a:prstGeom prst="rect">
+            <a:avLst/>
+          </a:prstGeom>
+        </p:spPr>
+      </p:pic>
+      <p:sp>
+        <p:nvSpPr>
+          <p:cNvPr id="8" name="TextBox 7">
+            <a:extLst>
+              <a:ext uri="{FF2B5EF4-FFF2-40B4-BE49-F238E27FC236}">
+                <a16:creationId xmlns:a16="http://schemas.microsoft.com/office/drawing/2014/main" id="{C02F2045-6A38-4E4B-907B-D4515EAAA42D}"/>
+              </a:ext>
+            </a:extLst>
+          </p:cNvPr>
+          <p:cNvSpPr txBox="1"/>
+          <p:nvPr/>
+        </p:nvSpPr>
+        <p:spPr>
+          <a:xfrm>
+            <a:off x="838200" y="1912202"/>
+            <a:ext cx="4492752" cy="923330"/>
+          </a:xfrm>
+          <a:prstGeom prst="rect">
+            <a:avLst/>
+          </a:prstGeom>
+          <a:noFill/>
+        </p:spPr>
+        <p:txBody>
+          <a:bodyPr wrap="square" rtlCol="0">
+            <a:spAutoFit/>
+          </a:bodyPr>
+          <a:lstStyle/>
+          <a:p>
+            <a:r>
+              <a:rPr lang="en-US" dirty="0"/>
+              <a:t>Air Travel appears to show low correlation</a:t>
+            </a:r>
+          </a:p>
+          <a:p>
+            <a:r>
+              <a:rPr lang="en-US" dirty="0"/>
+              <a:t>lag flu incidents</a:t>
+            </a:r>
+          </a:p>
+          <a:p>
+            <a:r>
+              <a:rPr lang="en-US" dirty="0"/>
+              <a:t>Correlates with weather patterns</a:t>
+            </a:r>
+          </a:p>
+        </p:txBody>
+      </p:sp>
+    </p:spTree>
+    <p:extLst>
+      <p:ext uri="{BB962C8B-B14F-4D97-AF65-F5344CB8AC3E}">
+        <p14:creationId xmlns:p14="http://schemas.microsoft.com/office/powerpoint/2010/main" val="1131846495"/>
       </p:ext>
     </p:extLst>
   </p:cSld>

--- a/Slide-Shows/Flu Tracker.pptx
+++ b/Slide-Shows/Flu Tracker.pptx
@@ -273,7 +273,7 @@
           <a:p>
             <a:fld id="{0FB6627F-71B9-4411-914C-D2A7A7346A35}" type="datetimeFigureOut">
               <a:rPr lang="en-US" smtClean="0"/>
-              <a:t>1/6/2018</a:t>
+              <a:t>1/8/2018</a:t>
             </a:fld>
             <a:endParaRPr lang="en-US"/>
           </a:p>
@@ -471,7 +471,7 @@
           <a:p>
             <a:fld id="{0FB6627F-71B9-4411-914C-D2A7A7346A35}" type="datetimeFigureOut">
               <a:rPr lang="en-US" smtClean="0"/>
-              <a:t>1/6/2018</a:t>
+              <a:t>1/8/2018</a:t>
             </a:fld>
             <a:endParaRPr lang="en-US"/>
           </a:p>
@@ -679,7 +679,7 @@
           <a:p>
             <a:fld id="{0FB6627F-71B9-4411-914C-D2A7A7346A35}" type="datetimeFigureOut">
               <a:rPr lang="en-US" smtClean="0"/>
-              <a:t>1/6/2018</a:t>
+              <a:t>1/8/2018</a:t>
             </a:fld>
             <a:endParaRPr lang="en-US"/>
           </a:p>
@@ -877,7 +877,7 @@
           <a:p>
             <a:fld id="{0FB6627F-71B9-4411-914C-D2A7A7346A35}" type="datetimeFigureOut">
               <a:rPr lang="en-US" smtClean="0"/>
-              <a:t>1/6/2018</a:t>
+              <a:t>1/8/2018</a:t>
             </a:fld>
             <a:endParaRPr lang="en-US"/>
           </a:p>
@@ -1152,7 +1152,7 @@
           <a:p>
             <a:fld id="{0FB6627F-71B9-4411-914C-D2A7A7346A35}" type="datetimeFigureOut">
               <a:rPr lang="en-US" smtClean="0"/>
-              <a:t>1/6/2018</a:t>
+              <a:t>1/8/2018</a:t>
             </a:fld>
             <a:endParaRPr lang="en-US"/>
           </a:p>
@@ -1417,7 +1417,7 @@
           <a:p>
             <a:fld id="{0FB6627F-71B9-4411-914C-D2A7A7346A35}" type="datetimeFigureOut">
               <a:rPr lang="en-US" smtClean="0"/>
-              <a:t>1/6/2018</a:t>
+              <a:t>1/8/2018</a:t>
             </a:fld>
             <a:endParaRPr lang="en-US"/>
           </a:p>
@@ -1829,7 +1829,7 @@
           <a:p>
             <a:fld id="{0FB6627F-71B9-4411-914C-D2A7A7346A35}" type="datetimeFigureOut">
               <a:rPr lang="en-US" smtClean="0"/>
-              <a:t>1/6/2018</a:t>
+              <a:t>1/8/2018</a:t>
             </a:fld>
             <a:endParaRPr lang="en-US"/>
           </a:p>
@@ -1970,7 +1970,7 @@
           <a:p>
             <a:fld id="{0FB6627F-71B9-4411-914C-D2A7A7346A35}" type="datetimeFigureOut">
               <a:rPr lang="en-US" smtClean="0"/>
-              <a:t>1/6/2018</a:t>
+              <a:t>1/8/2018</a:t>
             </a:fld>
             <a:endParaRPr lang="en-US"/>
           </a:p>
@@ -2083,7 +2083,7 @@
           <a:p>
             <a:fld id="{0FB6627F-71B9-4411-914C-D2A7A7346A35}" type="datetimeFigureOut">
               <a:rPr lang="en-US" smtClean="0"/>
-              <a:t>1/6/2018</a:t>
+              <a:t>1/8/2018</a:t>
             </a:fld>
             <a:endParaRPr lang="en-US"/>
           </a:p>
@@ -2394,7 +2394,7 @@
           <a:p>
             <a:fld id="{0FB6627F-71B9-4411-914C-D2A7A7346A35}" type="datetimeFigureOut">
               <a:rPr lang="en-US" smtClean="0"/>
-              <a:t>1/6/2018</a:t>
+              <a:t>1/8/2018</a:t>
             </a:fld>
             <a:endParaRPr lang="en-US"/>
           </a:p>
@@ -2682,7 +2682,7 @@
           <a:p>
             <a:fld id="{0FB6627F-71B9-4411-914C-D2A7A7346A35}" type="datetimeFigureOut">
               <a:rPr lang="en-US" smtClean="0"/>
-              <a:t>1/6/2018</a:t>
+              <a:t>1/8/2018</a:t>
             </a:fld>
             <a:endParaRPr lang="en-US"/>
           </a:p>
@@ -2923,7 +2923,7 @@
           <a:p>
             <a:fld id="{0FB6627F-71B9-4411-914C-D2A7A7346A35}" type="datetimeFigureOut">
               <a:rPr lang="en-US" smtClean="0"/>
-              <a:t>1/6/2018</a:t>
+              <a:t>1/8/2018</a:t>
             </a:fld>
             <a:endParaRPr lang="en-US"/>
           </a:p>
@@ -3362,8 +3362,12 @@
           <a:lstStyle/>
           <a:p>
             <a:r>
-              <a:rPr lang="en-US" dirty="0"/>
-              <a:t>Flu Tracker: </a:t>
+              <a:rPr lang="en-US" b="1" dirty="0"/>
+              <a:t>Flu Tracker</a:t>
+            </a:r>
+            <a:r>
+              <a:rPr lang="en-US" dirty="0"/>
+              <a:t>: </a:t>
             </a:r>
             <a:r>
               <a:rPr lang="en-US" sz="3600" dirty="0"/>
@@ -3452,7 +3456,7 @@
           <a:lstStyle/>
           <a:p>
             <a:r>
-              <a:rPr lang="en-US" dirty="0"/>
+              <a:rPr lang="en-US" b="1" dirty="0"/>
               <a:t>Discussion</a:t>
             </a:r>
           </a:p>
@@ -3484,7 +3488,7 @@
             </a:pPr>
             <a:r>
               <a:rPr lang="en-US" dirty="0"/>
-              <a:t>Weather correlation</a:t>
+              <a:t>Weather correlation-</a:t>
             </a:r>
           </a:p>
           <a:p>
@@ -3505,7 +3509,7 @@
             </a:pPr>
             <a:r>
               <a:rPr lang="en-US" dirty="0"/>
-              <a:t>Flu Incident Spikes</a:t>
+              <a:t>Flu Incident Spikes-</a:t>
             </a:r>
           </a:p>
           <a:p>
@@ -3604,10 +3608,49 @@
             <a:pPr marL="0" indent="0">
               <a:buNone/>
             </a:pPr>
-            <a:r>
-              <a:rPr lang="en-US" dirty="0"/>
-              <a:t>?</a:t>
-            </a:r>
+            <a:endParaRPr lang="en-US" dirty="0"/>
+          </a:p>
+          <a:p>
+            <a:pPr marL="0" indent="0">
+              <a:buNone/>
+            </a:pPr>
+            <a:r>
+              <a:rPr lang="en-US" dirty="0"/>
+              <a:t>If we had time…</a:t>
+            </a:r>
+          </a:p>
+          <a:p>
+            <a:r>
+              <a:rPr lang="en-US" sz="1800" dirty="0"/>
+              <a:t>We would look into finding corollary factors that may have had effects on the 2015-2017 flu seasons. </a:t>
+            </a:r>
+          </a:p>
+          <a:p>
+            <a:r>
+              <a:rPr lang="en-US" sz="1800" dirty="0"/>
+              <a:t>We would explore more into vaccination effectiveness and why the vaccines for the 2016-17 flu season did not seem to be as effective.</a:t>
+            </a:r>
+          </a:p>
+          <a:p>
+            <a:r>
+              <a:rPr lang="en-US" sz="1800" dirty="0"/>
+              <a:t>Look into flu incubation periods and flu transmission patterns. </a:t>
+            </a:r>
+          </a:p>
+          <a:p>
+            <a:r>
+              <a:rPr lang="en-US" sz="1800" dirty="0"/>
+              <a:t>We would also explore data reporting and recording methods to verify accuracy.</a:t>
+            </a:r>
+          </a:p>
+          <a:p>
+            <a:pPr marL="0" indent="0">
+              <a:buNone/>
+            </a:pPr>
+            <a:endParaRPr lang="en-US" sz="1800" dirty="0"/>
+          </a:p>
+          <a:p>
+            <a:endParaRPr lang="en-US" sz="1800" dirty="0"/>
           </a:p>
         </p:txBody>
       </p:sp>
@@ -3663,7 +3706,7 @@
           <a:lstStyle/>
           <a:p>
             <a:r>
-              <a:rPr lang="en-US" dirty="0"/>
+              <a:rPr lang="en-US" b="1" dirty="0"/>
               <a:t>Motivation</a:t>
             </a:r>
           </a:p>
@@ -3748,29 +3791,21 @@
             <a:pPr lvl="1"/>
             <a:r>
               <a:rPr lang="en-US" dirty="0"/>
-              <a:t>Weather highly correlated to influenza incidents</a:t>
+              <a:t>Weather patterns are highly correlated to influenza incidents.</a:t>
             </a:r>
           </a:p>
           <a:p>
             <a:pPr lvl="1"/>
             <a:r>
               <a:rPr lang="en-US" dirty="0"/>
-              <a:t>Vaccinations in 2015 seemed to be more effective than that of 2016</a:t>
+              <a:t>Vaccinations in 2015 seemed to be more effective than that of 2016.</a:t>
             </a:r>
           </a:p>
           <a:p>
             <a:pPr lvl="1"/>
             <a:r>
               <a:rPr lang="en-US" dirty="0"/>
-              <a:t>Air travel during times of influenza spikes show </a:t>
-            </a:r>
-            <a:r>
-              <a:rPr lang="en-US"/>
-              <a:t>that passenger </a:t>
-            </a:r>
-            <a:r>
-              <a:rPr lang="en-US" dirty="0"/>
-              <a:t>inflow/outflow counts are close to even.</a:t>
+              <a:t>Air travel during times of influenza spikes show that passenger inflow/outflow counts are close to even.</a:t>
             </a:r>
           </a:p>
         </p:txBody>
@@ -3827,7 +3862,7 @@
           <a:lstStyle/>
           <a:p>
             <a:r>
-              <a:rPr lang="en-US" dirty="0"/>
+              <a:rPr lang="en-US" b="1" dirty="0"/>
               <a:t>Questions &amp; Data</a:t>
             </a:r>
           </a:p>
@@ -3879,15 +3914,7 @@
             <a:pPr lvl="1"/>
             <a:r>
               <a:rPr lang="en-US" dirty="0"/>
-              <a:t>Flu incident data – NY </a:t>
-            </a:r>
-            <a:r>
-              <a:rPr lang="en-US" dirty="0" err="1"/>
-              <a:t>Dept</a:t>
-            </a:r>
-            <a:r>
-              <a:rPr lang="en-US" dirty="0"/>
-              <a:t> of Health</a:t>
+              <a:t>Flu incident data – NY Dept. of Health</a:t>
             </a:r>
           </a:p>
           <a:p>
@@ -3943,7 +3970,7 @@
             <a:pPr lvl="2"/>
             <a:r>
               <a:rPr lang="en-US" dirty="0"/>
-              <a:t>Estimates by state: sample of population for each state.  Here is where we grabbed info for New York State.</a:t>
+              <a:t>Estimates by state: sample of population for each state.  We used this dataset for New York State.</a:t>
             </a:r>
           </a:p>
           <a:p>
@@ -4067,7 +4094,7 @@
           <a:lstStyle/>
           <a:p>
             <a:r>
-              <a:rPr lang="en-US" dirty="0"/>
+              <a:rPr lang="en-US" b="1" dirty="0"/>
               <a:t>Data Clean-up &amp; Exploration</a:t>
             </a:r>
           </a:p>
@@ -4152,7 +4179,7 @@
             </a:r>
             <a:r>
               <a:rPr lang="en-US" dirty="0"/>
-              <a:t> notebook we had to use </a:t>
+              <a:t> notebook with Python Pandas we used </a:t>
             </a:r>
             <a:r>
               <a:rPr lang="en-US" dirty="0" err="1"/>
@@ -4160,7 +4187,7 @@
             </a:r>
             <a:r>
               <a:rPr lang="en-US" dirty="0"/>
-              <a:t>, merges, run percentage calculations (Calculate % change </a:t>
+              <a:t>, merges, &amp; ran percentage calculations (Calculate % change </a:t>
             </a:r>
             <a:r>
               <a:rPr lang="en-US" dirty="0" err="1"/>
@@ -4249,7 +4276,7 @@
           <a:lstStyle/>
           <a:p>
             <a:r>
-              <a:rPr lang="en-US" dirty="0"/>
+              <a:rPr lang="en-US" b="1" dirty="0"/>
               <a:t>Data Analysis</a:t>
             </a:r>
           </a:p>
@@ -4286,7 +4313,7 @@
             </a:pPr>
             <a:r>
               <a:rPr lang="en-US" dirty="0"/>
-              <a:t>Flu incidences</a:t>
+              <a:t>Flu incidences for 2015-16 &amp; 2016-17</a:t>
             </a:r>
           </a:p>
           <a:p>
@@ -4314,21 +4341,15 @@
             <a:endParaRPr lang="en-US" dirty="0"/>
           </a:p>
           <a:p>
-            <a:pPr marL="0" indent="0">
-              <a:buNone/>
-            </a:pPr>
-            <a:r>
-              <a:rPr lang="en-US" dirty="0"/>
-              <a:t>Spikes in flu season activities are clear for 2015 vs 2016</a:t>
-            </a:r>
-          </a:p>
-          <a:p>
-            <a:pPr marL="0" indent="0">
-              <a:buNone/>
-            </a:pPr>
-            <a:r>
-              <a:rPr lang="en-US" dirty="0"/>
-              <a:t>2016 season spike is significantly larger</a:t>
+            <a:r>
+              <a:rPr lang="en-US" dirty="0"/>
+              <a:t>Spikes in flu season activities are clear for 2015 vs 2016.</a:t>
+            </a:r>
+          </a:p>
+          <a:p>
+            <a:r>
+              <a:rPr lang="en-US" dirty="0"/>
+              <a:t>2016 season spike is significantly larger </a:t>
             </a:r>
           </a:p>
           <a:p>
@@ -4427,7 +4448,7 @@
           <a:lstStyle/>
           <a:p>
             <a:r>
-              <a:rPr lang="en-US" dirty="0"/>
+              <a:rPr lang="en-US" b="1" dirty="0"/>
               <a:t>Data Analysis</a:t>
             </a:r>
             <a:br>
@@ -4525,7 +4546,7 @@
         <p:spPr>
           <a:xfrm>
             <a:off x="838200" y="2220686"/>
-            <a:ext cx="4881618" cy="2585323"/>
+            <a:ext cx="4881618" cy="2862322"/>
           </a:xfrm>
           <a:prstGeom prst="rect">
             <a:avLst/>
@@ -4538,12 +4559,20 @@
           </a:bodyPr>
           <a:lstStyle/>
           <a:p>
+            <a:pPr marL="285750" indent="-285750">
+              <a:buFont typeface="Arial" panose="020B0604020202020204" pitchFamily="34" charset="0"/>
+              <a:buChar char="•"/>
+            </a:pPr>
             <a:r>
               <a:rPr lang="en-US" dirty="0"/>
               <a:t>Temperature appears to be roughly correlated</a:t>
             </a:r>
           </a:p>
           <a:p>
+            <a:pPr marL="285750" indent="-285750">
+              <a:buFont typeface="Arial" panose="020B0604020202020204" pitchFamily="34" charset="0"/>
+              <a:buChar char="•"/>
+            </a:pPr>
             <a:r>
               <a:rPr lang="en-US" dirty="0"/>
               <a:t>Temperature appears to lead incident count spikes</a:t>
@@ -4553,15 +4582,13 @@
             <a:endParaRPr lang="en-US" dirty="0"/>
           </a:p>
           <a:p>
-            <a:r>
-              <a:rPr lang="en-US" dirty="0"/>
-              <a:t>Temperature does not appear to explain YoY</a:t>
-            </a:r>
-          </a:p>
-          <a:p>
-            <a:r>
-              <a:rPr lang="en-US" dirty="0"/>
-              <a:t>Differences though.  </a:t>
+            <a:pPr marL="285750" indent="-285750">
+              <a:buFont typeface="Arial" panose="020B0604020202020204" pitchFamily="34" charset="0"/>
+              <a:buChar char="•"/>
+            </a:pPr>
+            <a:r>
+              <a:rPr lang="en-US" dirty="0"/>
+              <a:t>Temperature does not appear to explain Year over Year (YOY) differences though.  </a:t>
             </a:r>
           </a:p>
           <a:p>
@@ -4582,7 +4609,7 @@
           <a:p>
             <a:r>
               <a:rPr lang="en-US" dirty="0"/>
-              <a:t>What drives the significant YoY difference</a:t>
+              <a:t>What drives the significant YoY difference?</a:t>
             </a:r>
           </a:p>
         </p:txBody>
@@ -4639,7 +4666,7 @@
           <a:lstStyle/>
           <a:p>
             <a:r>
-              <a:rPr lang="en-US" dirty="0"/>
+              <a:rPr lang="en-US" b="1" dirty="0"/>
               <a:t>Data Analysis</a:t>
             </a:r>
             <a:br>
@@ -4682,8 +4709,8 @@
         </p:blipFill>
         <p:spPr>
           <a:xfrm>
-            <a:off x="6704350" y="244935"/>
-            <a:ext cx="5487650" cy="3658433"/>
+            <a:off x="6615573" y="0"/>
+            <a:ext cx="5487650" cy="3519904"/>
           </a:xfrm>
         </p:spPr>
       </p:pic>
@@ -4715,8 +4742,8 @@
         </p:blipFill>
         <p:spPr>
           <a:xfrm>
-            <a:off x="6704350" y="3400090"/>
-            <a:ext cx="5487650" cy="3658433"/>
+            <a:off x="6615573" y="3429000"/>
+            <a:ext cx="5487650" cy="3418644"/>
           </a:xfrm>
           <a:prstGeom prst="rect">
             <a:avLst/>
@@ -4782,6 +4809,10 @@
             <a:endParaRPr lang="en-US" dirty="0"/>
           </a:p>
           <a:p>
+            <a:pPr marL="285750" indent="-285750">
+              <a:buFont typeface="Arial" panose="020B0604020202020204" pitchFamily="34" charset="0"/>
+              <a:buChar char="•"/>
+            </a:pPr>
             <a:r>
               <a:rPr lang="en-US" dirty="0"/>
               <a:t>Threshold of spike appears to begin roughly in the temperature range from low 30s through 50s</a:t>
@@ -4841,7 +4872,7 @@
           <a:lstStyle/>
           <a:p>
             <a:r>
-              <a:rPr lang="en-US" dirty="0"/>
+              <a:rPr lang="en-US" b="1" dirty="0"/>
               <a:t>Data Analysis</a:t>
             </a:r>
             <a:br>
@@ -4904,7 +4935,7 @@
         <p:spPr>
           <a:xfrm>
             <a:off x="838200" y="2147455"/>
-            <a:ext cx="4440382" cy="1477328"/>
+            <a:ext cx="4440382" cy="1754326"/>
           </a:xfrm>
           <a:prstGeom prst="rect">
             <a:avLst/>
@@ -4917,15 +4948,23 @@
           </a:bodyPr>
           <a:lstStyle/>
           <a:p>
-            <a:r>
-              <a:rPr lang="en-US" dirty="0"/>
-              <a:t>Vaccinations do not clearly impact the spike in flu incidents</a:t>
-            </a:r>
-          </a:p>
-          <a:p>
-            <a:r>
-              <a:rPr lang="en-US" dirty="0"/>
-              <a:t>- 2016 vaccinations approximate 2015, which would imply 2016 flu incidents would be the same—Data proves otherwise</a:t>
+            <a:pPr marL="285750" indent="-285750">
+              <a:buFont typeface="Arial" panose="020B0604020202020204" pitchFamily="34" charset="0"/>
+              <a:buChar char="•"/>
+            </a:pPr>
+            <a:r>
+              <a:rPr lang="en-US" dirty="0"/>
+              <a:t>Vaccinations do not clearly impact the spike in flu incidents.</a:t>
+            </a:r>
+          </a:p>
+          <a:p>
+            <a:pPr marL="285750" indent="-285750">
+              <a:buFont typeface="Arial" panose="020B0604020202020204" pitchFamily="34" charset="0"/>
+              <a:buChar char="•"/>
+            </a:pPr>
+            <a:r>
+              <a:rPr lang="en-US" dirty="0"/>
+              <a:t>2016 vaccinations approximate 2015, which would imply 2016 flu incidents would be the same— but the data proves otherwise.</a:t>
             </a:r>
           </a:p>
         </p:txBody>
@@ -5018,7 +5057,7 @@
         </p:blipFill>
         <p:spPr>
           <a:xfrm>
-            <a:off x="6096000" y="3057046"/>
+            <a:off x="6096000" y="2950514"/>
             <a:ext cx="4581105" cy="3435829"/>
           </a:xfrm>
         </p:spPr>
@@ -5074,7 +5113,7 @@
         <p:spPr>
           <a:xfrm>
             <a:off x="838200" y="1912202"/>
-            <a:ext cx="4492752" cy="923330"/>
+            <a:ext cx="4492752" cy="1200329"/>
           </a:xfrm>
           <a:prstGeom prst="rect">
             <a:avLst/>
@@ -5087,21 +5126,23 @@
           </a:bodyPr>
           <a:lstStyle/>
           <a:p>
-            <a:r>
-              <a:rPr lang="en-US" dirty="0"/>
-              <a:t>Air Travel appears to show low correlation</a:t>
-            </a:r>
-          </a:p>
-          <a:p>
-            <a:r>
-              <a:rPr lang="en-US" dirty="0"/>
-              <a:t>lag flu incidents</a:t>
-            </a:r>
-          </a:p>
-          <a:p>
-            <a:r>
-              <a:rPr lang="en-US" dirty="0"/>
-              <a:t>Correlates with weather patterns</a:t>
+            <a:pPr marL="285750" indent="-285750">
+              <a:buFont typeface="Arial" panose="020B0604020202020204" pitchFamily="34" charset="0"/>
+              <a:buChar char="•"/>
+            </a:pPr>
+            <a:r>
+              <a:rPr lang="en-US" dirty="0"/>
+              <a:t>Air Travel appears to show low correlation, but does lag flu incidents.</a:t>
+            </a:r>
+          </a:p>
+          <a:p>
+            <a:pPr marL="285750" indent="-285750">
+              <a:buFont typeface="Arial" panose="020B0604020202020204" pitchFamily="34" charset="0"/>
+              <a:buChar char="•"/>
+            </a:pPr>
+            <a:r>
+              <a:rPr lang="en-US" dirty="0"/>
+              <a:t>Air travel does show correlation with weather patterns.</a:t>
             </a:r>
           </a:p>
         </p:txBody>
